--- a/slide/chap1.pptx
+++ b/slide/chap1.pptx
@@ -6006,7 +6006,13 @@
           <p:nvPr/>
         </p:nvPicPr>
         <p:blipFill>
-          <a:blip r:embed="rId2"/>
+          <a:blip r:embed="rId2" cstate="screen">
+            <a:extLst>
+              <a:ext uri="{28A0092B-C50C-407E-A947-70E740481C1C}">
+                <a14:useLocalDpi xmlns:a14="http://schemas.microsoft.com/office/drawing/2010/main"/>
+              </a:ext>
+            </a:extLst>
+          </a:blip>
           <a:stretch>
             <a:fillRect/>
           </a:stretch>
@@ -7115,7 +7121,13 @@
           <p:nvPr/>
         </p:nvPicPr>
         <p:blipFill>
-          <a:blip r:embed="rId2"/>
+          <a:blip r:embed="rId2" cstate="screen">
+            <a:extLst>
+              <a:ext uri="{28A0092B-C50C-407E-A947-70E740481C1C}">
+                <a14:useLocalDpi xmlns:a14="http://schemas.microsoft.com/office/drawing/2010/main"/>
+              </a:ext>
+            </a:extLst>
+          </a:blip>
           <a:stretch>
             <a:fillRect/>
           </a:stretch>
@@ -9966,7 +9978,13 @@
           <p:nvPr/>
         </p:nvPicPr>
         <p:blipFill>
-          <a:blip r:embed="rId3"/>
+          <a:blip r:embed="rId3" cstate="screen">
+            <a:extLst>
+              <a:ext uri="{28A0092B-C50C-407E-A947-70E740481C1C}">
+                <a14:useLocalDpi xmlns:a14="http://schemas.microsoft.com/office/drawing/2010/main"/>
+              </a:ext>
+            </a:extLst>
+          </a:blip>
           <a:stretch/>
         </p:blipFill>
         <p:spPr>
@@ -10429,7 +10447,13 @@
           <p:nvPr/>
         </p:nvPicPr>
         <p:blipFill>
-          <a:blip r:embed="rId2"/>
+          <a:blip r:embed="rId2" cstate="screen">
+            <a:extLst>
+              <a:ext uri="{28A0092B-C50C-407E-A947-70E740481C1C}">
+                <a14:useLocalDpi xmlns:a14="http://schemas.microsoft.com/office/drawing/2010/main"/>
+              </a:ext>
+            </a:extLst>
+          </a:blip>
           <a:stretch/>
         </p:blipFill>
         <p:spPr>
@@ -10697,7 +10721,13 @@
           <p:nvPr/>
         </p:nvPicPr>
         <p:blipFill>
-          <a:blip r:embed="rId3"/>
+          <a:blip r:embed="rId3" cstate="screen">
+            <a:extLst>
+              <a:ext uri="{28A0092B-C50C-407E-A947-70E740481C1C}">
+                <a14:useLocalDpi xmlns:a14="http://schemas.microsoft.com/office/drawing/2010/main"/>
+              </a:ext>
+            </a:extLst>
+          </a:blip>
           <a:stretch/>
         </p:blipFill>
         <p:spPr>
@@ -11627,7 +11657,13 @@
           <p:nvPr/>
         </p:nvPicPr>
         <p:blipFill>
-          <a:blip r:embed="rId2"/>
+          <a:blip r:embed="rId2" cstate="screen">
+            <a:extLst>
+              <a:ext uri="{28A0092B-C50C-407E-A947-70E740481C1C}">
+                <a14:useLocalDpi xmlns:a14="http://schemas.microsoft.com/office/drawing/2010/main"/>
+              </a:ext>
+            </a:extLst>
+          </a:blip>
           <a:stretch>
             <a:fillRect/>
           </a:stretch>
@@ -12265,7 +12301,13 @@
           <p:nvPr/>
         </p:nvPicPr>
         <p:blipFill>
-          <a:blip r:embed="rId2"/>
+          <a:blip r:embed="rId2" cstate="screen">
+            <a:extLst>
+              <a:ext uri="{28A0092B-C50C-407E-A947-70E740481C1C}">
+                <a14:useLocalDpi xmlns:a14="http://schemas.microsoft.com/office/drawing/2010/main"/>
+              </a:ext>
+            </a:extLst>
+          </a:blip>
           <a:stretch>
             <a:fillRect/>
           </a:stretch>
